--- a/kennard powerpoint.pptx
+++ b/kennard powerpoint.pptx
@@ -114,6 +114,11 @@
       </a:defRPr>
     </a:lvl9pPr>
   </p:defaultTextStyle>
+  <p:extLst>
+    <p:ext uri="{EFAFB233-063F-42B5-8137-9DF3F51BA10A}">
+      <p15:sldGuideLst xmlns:p15="http://schemas.microsoft.com/office/powerpoint/2012/main"/>
+    </p:ext>
+  </p:extLst>
 </p:presentation>
 </file>
 
@@ -2993,10 +2998,6 @@
               <a:rPr lang="en-US" dirty="0" smtClean="0"/>
               <a:t>Team 17</a:t>
             </a:r>
-            <a:r>
-              <a:rPr lang="en-US" dirty="0" smtClean="0"/>
-              <a:t/>
-            </a:r>
             <a:br>
               <a:rPr lang="en-US" dirty="0" smtClean="0"/>
             </a:br>
@@ -3708,6 +3709,13 @@
   <p:clrMapOvr>
     <a:masterClrMapping/>
   </p:clrMapOvr>
+  <p:timing>
+    <p:tnLst>
+      <p:par>
+        <p:cTn id="1" dur="indefinite" restart="never" nodeType="tmRoot"/>
+      </p:par>
+    </p:tnLst>
+  </p:timing>
 </p:sld>
 </file>
 
@@ -3768,26 +3776,76 @@
           <a:p>
             <a:r>
               <a:rPr lang="en-US" dirty="0" smtClean="0"/>
-              <a:t>Originally based on Game development techniques collision code</a:t>
+              <a:t>Originally based on Game development techniques collision </a:t>
+            </a:r>
+            <a:r>
+              <a:rPr lang="en-US" dirty="0" smtClean="0"/>
+              <a:t>code</a:t>
             </a:r>
           </a:p>
           <a:p>
             <a:endParaRPr lang="en-US" dirty="0"/>
           </a:p>
           <a:p>
-            <a:r>
-              <a:rPr lang="en-US" dirty="0" smtClean="0"/>
-              <a:t>Adjusted with bounding box collision to be more accurate with minimal changes</a:t>
-            </a:r>
+            <a:endParaRPr lang="en-US" dirty="0" smtClean="0"/>
           </a:p>
           <a:p>
             <a:endParaRPr lang="en-US" dirty="0"/>
           </a:p>
           <a:p>
+            <a:endParaRPr lang="en-US" dirty="0" smtClean="0"/>
+          </a:p>
+          <a:p>
+            <a:endParaRPr lang="en-US" dirty="0" smtClean="0"/>
+          </a:p>
+          <a:p>
+            <a:r>
+              <a:rPr lang="en-US" dirty="0" smtClean="0"/>
+              <a:t>Adjusted </a:t>
+            </a:r>
+            <a:r>
+              <a:rPr lang="en-US" dirty="0" smtClean="0"/>
+              <a:t>with bounding box collision to be more accurate with minimal changes</a:t>
+            </a:r>
+          </a:p>
+          <a:p>
             <a:endParaRPr lang="en-US" dirty="0"/>
           </a:p>
-        </p:txBody>
-      </p:sp>
+          <a:p>
+            <a:endParaRPr lang="en-US" dirty="0"/>
+          </a:p>
+        </p:txBody>
+      </p:sp>
+      <p:pic>
+        <p:nvPicPr>
+          <p:cNvPr id="5" name="Picture 4"/>
+          <p:cNvPicPr>
+            <a:picLocks noChangeAspect="1"/>
+          </p:cNvPicPr>
+          <p:nvPr/>
+        </p:nvPicPr>
+        <p:blipFill>
+          <a:blip r:embed="rId2">
+            <a:extLst>
+              <a:ext uri="{28A0092B-C50C-407E-A947-70E740481C1C}">
+                <a14:useLocalDpi xmlns:a14="http://schemas.microsoft.com/office/drawing/2010/main" val="0"/>
+              </a:ext>
+            </a:extLst>
+          </a:blip>
+          <a:stretch>
+            <a:fillRect/>
+          </a:stretch>
+        </p:blipFill>
+        <p:spPr>
+          <a:xfrm>
+            <a:off x="838200" y="2345301"/>
+            <a:ext cx="7773485" cy="2400635"/>
+          </a:xfrm>
+          <a:prstGeom prst="rect">
+            <a:avLst/>
+          </a:prstGeom>
+        </p:spPr>
+      </p:pic>
     </p:spTree>
     <p:extLst>
       <p:ext uri="{BB962C8B-B14F-4D97-AF65-F5344CB8AC3E}">
@@ -3798,6 +3856,13 @@
   <p:clrMapOvr>
     <a:masterClrMapping/>
   </p:clrMapOvr>
+  <p:timing>
+    <p:tnLst>
+      <p:par>
+        <p:cTn id="1" dur="indefinite" restart="never" nodeType="tmRoot"/>
+      </p:par>
+    </p:tnLst>
+  </p:timing>
 </p:sld>
 </file>
 
@@ -3885,6 +3950,13 @@
   <p:clrMapOvr>
     <a:masterClrMapping/>
   </p:clrMapOvr>
+  <p:timing>
+    <p:tnLst>
+      <p:par>
+        <p:cTn id="1" dur="indefinite" restart="never" nodeType="tmRoot"/>
+      </p:par>
+    </p:tnLst>
+  </p:timing>
 </p:sld>
 </file>
 
@@ -4093,6 +4165,36 @@
           </a:p>
         </p:txBody>
       </p:sp>
+      <p:pic>
+        <p:nvPicPr>
+          <p:cNvPr id="4" name="Picture 3"/>
+          <p:cNvPicPr>
+            <a:picLocks noChangeAspect="1"/>
+          </p:cNvPicPr>
+          <p:nvPr/>
+        </p:nvPicPr>
+        <p:blipFill>
+          <a:blip r:embed="rId2">
+            <a:extLst>
+              <a:ext uri="{28A0092B-C50C-407E-A947-70E740481C1C}">
+                <a14:useLocalDpi xmlns:a14="http://schemas.microsoft.com/office/drawing/2010/main" val="0"/>
+              </a:ext>
+            </a:extLst>
+          </a:blip>
+          <a:stretch>
+            <a:fillRect/>
+          </a:stretch>
+        </p:blipFill>
+        <p:spPr>
+          <a:xfrm>
+            <a:off x="4036844" y="3338843"/>
+            <a:ext cx="6325483" cy="2324424"/>
+          </a:xfrm>
+          <a:prstGeom prst="rect">
+            <a:avLst/>
+          </a:prstGeom>
+        </p:spPr>
+      </p:pic>
     </p:spTree>
     <p:extLst>
       <p:ext uri="{BB962C8B-B14F-4D97-AF65-F5344CB8AC3E}">
